--- a/Figures.pptx
+++ b/Figures.pptx
@@ -6,6 +6,7 @@
   </p:sldMasterIdLst>
   <p:sldIdLst>
     <p:sldId id="256" r:id="rId2"/>
+    <p:sldId id="257" r:id="rId3"/>
   </p:sldIdLst>
   <p:sldSz cx="9144000" cy="6858000" type="screen4x3"/>
   <p:notesSz cx="6858000" cy="9144000"/>
@@ -288,7 +289,7 @@
           <a:p>
             <a:fld id="{89A8CC21-ACE6-4F64-85E6-339E6B0E9561}" type="datetimeFigureOut">
               <a:rPr lang="en-GB" smtClean="0"/>
-              <a:t>15/09/2014</a:t>
+              <a:t>23/09/2014</a:t>
             </a:fld>
             <a:endParaRPr lang="en-GB"/>
           </a:p>
@@ -458,7 +459,7 @@
           <a:p>
             <a:fld id="{89A8CC21-ACE6-4F64-85E6-339E6B0E9561}" type="datetimeFigureOut">
               <a:rPr lang="en-GB" smtClean="0"/>
-              <a:t>15/09/2014</a:t>
+              <a:t>23/09/2014</a:t>
             </a:fld>
             <a:endParaRPr lang="en-GB"/>
           </a:p>
@@ -638,7 +639,7 @@
           <a:p>
             <a:fld id="{89A8CC21-ACE6-4F64-85E6-339E6B0E9561}" type="datetimeFigureOut">
               <a:rPr lang="en-GB" smtClean="0"/>
-              <a:t>15/09/2014</a:t>
+              <a:t>23/09/2014</a:t>
             </a:fld>
             <a:endParaRPr lang="en-GB"/>
           </a:p>
@@ -808,7 +809,7 @@
           <a:p>
             <a:fld id="{89A8CC21-ACE6-4F64-85E6-339E6B0E9561}" type="datetimeFigureOut">
               <a:rPr lang="en-GB" smtClean="0"/>
-              <a:t>15/09/2014</a:t>
+              <a:t>23/09/2014</a:t>
             </a:fld>
             <a:endParaRPr lang="en-GB"/>
           </a:p>
@@ -1054,7 +1055,7 @@
           <a:p>
             <a:fld id="{89A8CC21-ACE6-4F64-85E6-339E6B0E9561}" type="datetimeFigureOut">
               <a:rPr lang="en-GB" smtClean="0"/>
-              <a:t>15/09/2014</a:t>
+              <a:t>23/09/2014</a:t>
             </a:fld>
             <a:endParaRPr lang="en-GB"/>
           </a:p>
@@ -1342,7 +1343,7 @@
           <a:p>
             <a:fld id="{89A8CC21-ACE6-4F64-85E6-339E6B0E9561}" type="datetimeFigureOut">
               <a:rPr lang="en-GB" smtClean="0"/>
-              <a:t>15/09/2014</a:t>
+              <a:t>23/09/2014</a:t>
             </a:fld>
             <a:endParaRPr lang="en-GB"/>
           </a:p>
@@ -1764,7 +1765,7 @@
           <a:p>
             <a:fld id="{89A8CC21-ACE6-4F64-85E6-339E6B0E9561}" type="datetimeFigureOut">
               <a:rPr lang="en-GB" smtClean="0"/>
-              <a:t>15/09/2014</a:t>
+              <a:t>23/09/2014</a:t>
             </a:fld>
             <a:endParaRPr lang="en-GB"/>
           </a:p>
@@ -1882,7 +1883,7 @@
           <a:p>
             <a:fld id="{89A8CC21-ACE6-4F64-85E6-339E6B0E9561}" type="datetimeFigureOut">
               <a:rPr lang="en-GB" smtClean="0"/>
-              <a:t>15/09/2014</a:t>
+              <a:t>23/09/2014</a:t>
             </a:fld>
             <a:endParaRPr lang="en-GB"/>
           </a:p>
@@ -1977,7 +1978,7 @@
           <a:p>
             <a:fld id="{89A8CC21-ACE6-4F64-85E6-339E6B0E9561}" type="datetimeFigureOut">
               <a:rPr lang="en-GB" smtClean="0"/>
-              <a:t>15/09/2014</a:t>
+              <a:t>23/09/2014</a:t>
             </a:fld>
             <a:endParaRPr lang="en-GB"/>
           </a:p>
@@ -2254,7 +2255,7 @@
           <a:p>
             <a:fld id="{89A8CC21-ACE6-4F64-85E6-339E6B0E9561}" type="datetimeFigureOut">
               <a:rPr lang="en-GB" smtClean="0"/>
-              <a:t>15/09/2014</a:t>
+              <a:t>23/09/2014</a:t>
             </a:fld>
             <a:endParaRPr lang="en-GB"/>
           </a:p>
@@ -2507,7 +2508,7 @@
           <a:p>
             <a:fld id="{89A8CC21-ACE6-4F64-85E6-339E6B0E9561}" type="datetimeFigureOut">
               <a:rPr lang="en-GB" smtClean="0"/>
-              <a:t>15/09/2014</a:t>
+              <a:t>23/09/2014</a:t>
             </a:fld>
             <a:endParaRPr lang="en-GB"/>
           </a:p>
@@ -2720,7 +2721,7 @@
           <a:p>
             <a:fld id="{89A8CC21-ACE6-4F64-85E6-339E6B0E9561}" type="datetimeFigureOut">
               <a:rPr lang="en-GB" smtClean="0"/>
-              <a:t>15/09/2014</a:t>
+              <a:t>23/09/2014</a:t>
             </a:fld>
             <a:endParaRPr lang="en-GB"/>
           </a:p>
@@ -4025,7 +4026,7 @@
         <p:spPr>
           <a:xfrm flipH="1" flipV="1">
             <a:off x="6660232" y="2636912"/>
-            <a:ext cx="144016" cy="36004"/>
+            <a:ext cx="216024" cy="36004"/>
           </a:xfrm>
           <a:prstGeom prst="straightConnector1">
             <a:avLst/>
@@ -4157,7 +4158,7 @@
         <p:spPr>
           <a:xfrm flipV="1">
             <a:off x="6300192" y="4365104"/>
-            <a:ext cx="504056" cy="144016"/>
+            <a:ext cx="576064" cy="144016"/>
           </a:xfrm>
           <a:prstGeom prst="straightConnector1">
             <a:avLst/>
@@ -4280,10 +4281,403 @@
           </a:fontRef>
         </p:style>
       </p:cxnSp>
+      <p:cxnSp>
+        <p:nvCxnSpPr>
+          <p:cNvPr id="3" name="Straight Arrow Connector 2"/>
+          <p:cNvCxnSpPr/>
+          <p:nvPr/>
+        </p:nvCxnSpPr>
+        <p:spPr>
+          <a:xfrm flipH="1">
+            <a:off x="1907704" y="2348880"/>
+            <a:ext cx="2736304" cy="648072"/>
+          </a:xfrm>
+          <a:prstGeom prst="straightConnector1">
+            <a:avLst/>
+          </a:prstGeom>
+          <a:ln>
+            <a:tailEnd type="arrow"/>
+          </a:ln>
+        </p:spPr>
+        <p:style>
+          <a:lnRef idx="1">
+            <a:schemeClr val="dk1"/>
+          </a:lnRef>
+          <a:fillRef idx="0">
+            <a:schemeClr val="dk1"/>
+          </a:fillRef>
+          <a:effectRef idx="0">
+            <a:schemeClr val="dk1"/>
+          </a:effectRef>
+          <a:fontRef idx="minor">
+            <a:schemeClr val="tx1"/>
+          </a:fontRef>
+        </p:style>
+      </p:cxnSp>
+      <p:cxnSp>
+        <p:nvCxnSpPr>
+          <p:cNvPr id="7" name="Straight Arrow Connector 6"/>
+          <p:cNvCxnSpPr/>
+          <p:nvPr/>
+        </p:nvCxnSpPr>
+        <p:spPr>
+          <a:xfrm flipH="1">
+            <a:off x="3959932" y="2276872"/>
+            <a:ext cx="684076" cy="0"/>
+          </a:xfrm>
+          <a:prstGeom prst="straightConnector1">
+            <a:avLst/>
+          </a:prstGeom>
+          <a:ln>
+            <a:tailEnd type="arrow"/>
+          </a:ln>
+        </p:spPr>
+        <p:style>
+          <a:lnRef idx="1">
+            <a:schemeClr val="dk1"/>
+          </a:lnRef>
+          <a:fillRef idx="0">
+            <a:schemeClr val="dk1"/>
+          </a:fillRef>
+          <a:effectRef idx="0">
+            <a:schemeClr val="dk1"/>
+          </a:effectRef>
+          <a:fontRef idx="minor">
+            <a:schemeClr val="tx1"/>
+          </a:fontRef>
+        </p:style>
+      </p:cxnSp>
     </p:spTree>
     <p:extLst>
       <p:ext uri="{BB962C8B-B14F-4D97-AF65-F5344CB8AC3E}">
         <p14:creationId xmlns:p14="http://schemas.microsoft.com/office/powerpoint/2010/main" val="724188433"/>
+      </p:ext>
+    </p:extLst>
+  </p:cSld>
+  <p:clrMapOvr>
+    <a:masterClrMapping/>
+  </p:clrMapOvr>
+</p:sld>
+</file>
+
+<file path=ppt/slides/slide2.xml><?xml version="1.0" encoding="utf-8"?>
+<p:sld xmlns:a="http://schemas.openxmlformats.org/drawingml/2006/main" xmlns:r="http://schemas.openxmlformats.org/officeDocument/2006/relationships" xmlns:p="http://schemas.openxmlformats.org/presentationml/2006/main">
+  <p:cSld>
+    <p:spTree>
+      <p:nvGrpSpPr>
+        <p:cNvPr id="1" name=""/>
+        <p:cNvGrpSpPr/>
+        <p:nvPr/>
+      </p:nvGrpSpPr>
+      <p:grpSpPr>
+        <a:xfrm>
+          <a:off x="0" y="0"/>
+          <a:ext cx="0" cy="0"/>
+          <a:chOff x="0" y="0"/>
+          <a:chExt cx="0" cy="0"/>
+        </a:xfrm>
+      </p:grpSpPr>
+      <p:pic>
+        <p:nvPicPr>
+          <p:cNvPr id="10" name="Picture 9"/>
+          <p:cNvPicPr>
+            <a:picLocks noChangeAspect="1"/>
+          </p:cNvPicPr>
+          <p:nvPr/>
+        </p:nvPicPr>
+        <p:blipFill rotWithShape="1">
+          <a:blip r:embed="rId2">
+            <a:extLst>
+              <a:ext uri="{28A0092B-C50C-407E-A947-70E740481C1C}">
+                <a14:useLocalDpi xmlns:a14="http://schemas.microsoft.com/office/drawing/2010/main" val="0"/>
+              </a:ext>
+            </a:extLst>
+          </a:blip>
+          <a:srcRect l="13167" t="6869" r="12126" b="30346"/>
+          <a:stretch/>
+        </p:blipFill>
+        <p:spPr>
+          <a:xfrm>
+            <a:off x="2123728" y="1484784"/>
+            <a:ext cx="4903076" cy="2916621"/>
+          </a:xfrm>
+          <a:prstGeom prst="rect">
+            <a:avLst/>
+          </a:prstGeom>
+        </p:spPr>
+      </p:pic>
+      <p:sp>
+        <p:nvSpPr>
+          <p:cNvPr id="11" name="TextBox 10"/>
+          <p:cNvSpPr txBox="1"/>
+          <p:nvPr/>
+        </p:nvSpPr>
+        <p:spPr>
+          <a:xfrm>
+            <a:off x="2411760" y="2132856"/>
+            <a:ext cx="816249" cy="261610"/>
+          </a:xfrm>
+          <a:prstGeom prst="rect">
+            <a:avLst/>
+          </a:prstGeom>
+          <a:noFill/>
+        </p:spPr>
+        <p:txBody>
+          <a:bodyPr wrap="none" rtlCol="0">
+            <a:spAutoFit/>
+          </a:bodyPr>
+          <a:lstStyle/>
+          <a:p>
+            <a:r>
+              <a:rPr lang="en-GB" sz="1100" dirty="0" smtClean="0"/>
+              <a:t>tool-view1</a:t>
+            </a:r>
+            <a:endParaRPr lang="en-GB" sz="1100" dirty="0"/>
+          </a:p>
+        </p:txBody>
+      </p:sp>
+      <p:sp>
+        <p:nvSpPr>
+          <p:cNvPr id="12" name="TextBox 11"/>
+          <p:cNvSpPr txBox="1"/>
+          <p:nvPr/>
+        </p:nvSpPr>
+        <p:spPr>
+          <a:xfrm>
+            <a:off x="5436096" y="2393045"/>
+            <a:ext cx="1295547" cy="261610"/>
+          </a:xfrm>
+          <a:prstGeom prst="rect">
+            <a:avLst/>
+          </a:prstGeom>
+          <a:noFill/>
+        </p:spPr>
+        <p:txBody>
+          <a:bodyPr wrap="none" rtlCol="0">
+            <a:spAutoFit/>
+          </a:bodyPr>
+          <a:lstStyle/>
+          <a:p>
+            <a:r>
+              <a:rPr lang="en-GB" sz="1100" dirty="0" smtClean="0"/>
+              <a:t>validation, integrity</a:t>
+            </a:r>
+            <a:endParaRPr lang="en-GB" sz="1100" dirty="0"/>
+          </a:p>
+        </p:txBody>
+      </p:sp>
+      <p:sp>
+        <p:nvSpPr>
+          <p:cNvPr id="13" name="TextBox 12"/>
+          <p:cNvSpPr txBox="1"/>
+          <p:nvPr/>
+        </p:nvSpPr>
+        <p:spPr>
+          <a:xfrm>
+            <a:off x="4766530" y="2063980"/>
+            <a:ext cx="1548822" cy="261610"/>
+          </a:xfrm>
+          <a:prstGeom prst="rect">
+            <a:avLst/>
+          </a:prstGeom>
+          <a:noFill/>
+        </p:spPr>
+        <p:txBody>
+          <a:bodyPr wrap="none" rtlCol="0">
+            <a:spAutoFit/>
+          </a:bodyPr>
+          <a:lstStyle/>
+          <a:p>
+            <a:r>
+              <a:rPr lang="en-GB" sz="1100" dirty="0" smtClean="0"/>
+              <a:t>search (structures, text)</a:t>
+            </a:r>
+            <a:endParaRPr lang="en-GB" sz="1100" dirty="0"/>
+          </a:p>
+        </p:txBody>
+      </p:sp>
+      <p:sp>
+        <p:nvSpPr>
+          <p:cNvPr id="14" name="TextBox 13"/>
+          <p:cNvSpPr txBox="1"/>
+          <p:nvPr/>
+        </p:nvSpPr>
+        <p:spPr>
+          <a:xfrm>
+            <a:off x="4860032" y="3527430"/>
+            <a:ext cx="705642" cy="261610"/>
+          </a:xfrm>
+          <a:prstGeom prst="rect">
+            <a:avLst/>
+          </a:prstGeom>
+          <a:noFill/>
+        </p:spPr>
+        <p:txBody>
+          <a:bodyPr wrap="none" rtlCol="0">
+            <a:spAutoFit/>
+          </a:bodyPr>
+          <a:lstStyle/>
+          <a:p>
+            <a:r>
+              <a:rPr lang="en-GB" sz="1100" dirty="0" smtClean="0"/>
+              <a:t>database</a:t>
+            </a:r>
+            <a:endParaRPr lang="en-GB" sz="1100" dirty="0"/>
+          </a:p>
+        </p:txBody>
+      </p:sp>
+      <p:sp>
+        <p:nvSpPr>
+          <p:cNvPr id="15" name="TextBox 14"/>
+          <p:cNvSpPr txBox="1"/>
+          <p:nvPr/>
+        </p:nvSpPr>
+        <p:spPr>
+          <a:xfrm>
+            <a:off x="3419872" y="2329723"/>
+            <a:ext cx="793807" cy="261610"/>
+          </a:xfrm>
+          <a:prstGeom prst="rect">
+            <a:avLst/>
+          </a:prstGeom>
+          <a:noFill/>
+        </p:spPr>
+        <p:txBody>
+          <a:bodyPr wrap="none" rtlCol="0">
+            <a:spAutoFit/>
+          </a:bodyPr>
+          <a:lstStyle/>
+          <a:p>
+            <a:r>
+              <a:rPr lang="en-GB" sz="1100" dirty="0" smtClean="0"/>
+              <a:t>tool-view2</a:t>
+            </a:r>
+            <a:endParaRPr lang="en-GB" sz="1100" dirty="0"/>
+          </a:p>
+        </p:txBody>
+      </p:sp>
+      <p:sp>
+        <p:nvSpPr>
+          <p:cNvPr id="16" name="TextBox 15"/>
+          <p:cNvSpPr txBox="1"/>
+          <p:nvPr/>
+        </p:nvSpPr>
+        <p:spPr>
+          <a:xfrm>
+            <a:off x="3550693" y="3527430"/>
+            <a:ext cx="949299" cy="261610"/>
+          </a:xfrm>
+          <a:prstGeom prst="rect">
+            <a:avLst/>
+          </a:prstGeom>
+          <a:noFill/>
+        </p:spPr>
+        <p:txBody>
+          <a:bodyPr wrap="none" rtlCol="0">
+            <a:spAutoFit/>
+          </a:bodyPr>
+          <a:lstStyle/>
+          <a:p>
+            <a:r>
+              <a:rPr lang="en-GB" sz="1100" dirty="0" smtClean="0"/>
+              <a:t>configuration</a:t>
+            </a:r>
+            <a:endParaRPr lang="en-GB" sz="1100" dirty="0"/>
+          </a:p>
+        </p:txBody>
+      </p:sp>
+      <p:sp>
+        <p:nvSpPr>
+          <p:cNvPr id="17" name="TextBox 16"/>
+          <p:cNvSpPr txBox="1"/>
+          <p:nvPr/>
+        </p:nvSpPr>
+        <p:spPr>
+          <a:xfrm>
+            <a:off x="4078413" y="3861048"/>
+            <a:ext cx="1141659" cy="261610"/>
+          </a:xfrm>
+          <a:prstGeom prst="rect">
+            <a:avLst/>
+          </a:prstGeom>
+          <a:noFill/>
+        </p:spPr>
+        <p:txBody>
+          <a:bodyPr wrap="none" rtlCol="0">
+            <a:spAutoFit/>
+          </a:bodyPr>
+          <a:lstStyle/>
+          <a:p>
+            <a:r>
+              <a:rPr lang="en-GB" sz="1100" dirty="0" smtClean="0"/>
+              <a:t>scripts (</a:t>
+            </a:r>
+            <a:r>
+              <a:rPr lang="en-GB" sz="1100" dirty="0" err="1" smtClean="0"/>
+              <a:t>unix</a:t>
+            </a:r>
+            <a:r>
+              <a:rPr lang="en-GB" sz="1100" dirty="0" smtClean="0"/>
+              <a:t>, </a:t>
+            </a:r>
+            <a:r>
+              <a:rPr lang="en-GB" sz="1100" dirty="0" err="1" smtClean="0"/>
+              <a:t>sql</a:t>
+            </a:r>
+            <a:r>
+              <a:rPr lang="en-GB" sz="1100" dirty="0" smtClean="0"/>
+              <a:t>)</a:t>
+            </a:r>
+            <a:endParaRPr lang="en-GB" sz="1100" dirty="0"/>
+          </a:p>
+        </p:txBody>
+      </p:sp>
+      <p:sp>
+        <p:nvSpPr>
+          <p:cNvPr id="18" name="Left-Right-Up Arrow 17"/>
+          <p:cNvSpPr/>
+          <p:nvPr/>
+        </p:nvSpPr>
+        <p:spPr>
+          <a:xfrm rot="10800000">
+            <a:off x="4067944" y="2595859"/>
+            <a:ext cx="839620" cy="545108"/>
+          </a:xfrm>
+          <a:prstGeom prst="leftRightUpArrow">
+            <a:avLst>
+              <a:gd name="adj1" fmla="val 32885"/>
+              <a:gd name="adj2" fmla="val 27912"/>
+              <a:gd name="adj3" fmla="val 25000"/>
+            </a:avLst>
+          </a:prstGeom>
+        </p:spPr>
+        <p:style>
+          <a:lnRef idx="1">
+            <a:schemeClr val="dk1"/>
+          </a:lnRef>
+          <a:fillRef idx="2">
+            <a:schemeClr val="dk1"/>
+          </a:fillRef>
+          <a:effectRef idx="1">
+            <a:schemeClr val="dk1"/>
+          </a:effectRef>
+          <a:fontRef idx="minor">
+            <a:schemeClr val="dk1"/>
+          </a:fontRef>
+        </p:style>
+        <p:txBody>
+          <a:bodyPr rtlCol="0" anchor="ctr"/>
+          <a:lstStyle/>
+          <a:p>
+            <a:pPr algn="ctr"/>
+            <a:endParaRPr lang="en-GB"/>
+          </a:p>
+        </p:txBody>
+      </p:sp>
+    </p:spTree>
+    <p:extLst>
+      <p:ext uri="{BB962C8B-B14F-4D97-AF65-F5344CB8AC3E}">
+        <p14:creationId xmlns:p14="http://schemas.microsoft.com/office/powerpoint/2010/main" val="2883267114"/>
       </p:ext>
     </p:extLst>
   </p:cSld>
